--- a/GoodSleep_ppt.pptx
+++ b/GoodSleep_ppt.pptx
@@ -16784,13 +16784,13 @@
           <p:nvPr>
             <p:extLst>
               <p:ext uri="{D42A27DB-BD31-4B8C-83A1-F6EECF244321}">
-                <p14:modId xmlns:p14="http://schemas.microsoft.com/office/powerpoint/2010/main" val="878263360"/>
+                <p14:modId xmlns:p14="http://schemas.microsoft.com/office/powerpoint/2010/main" val="3453113822"/>
               </p:ext>
             </p:extLst>
           </p:nvPr>
         </p:nvGraphicFramePr>
         <p:xfrm>
-          <a:off x="1176507" y="2549543"/>
+          <a:off x="978799" y="2142131"/>
           <a:ext cx="3689844" cy="2459896"/>
         </p:xfrm>
         <a:graphic>
@@ -16806,13 +16806,13 @@
           <p:nvPr>
             <p:extLst>
               <p:ext uri="{D42A27DB-BD31-4B8C-83A1-F6EECF244321}">
-                <p14:modId xmlns:p14="http://schemas.microsoft.com/office/powerpoint/2010/main" val="3366068160"/>
+                <p14:modId xmlns:p14="http://schemas.microsoft.com/office/powerpoint/2010/main" val="2584940682"/>
               </p:ext>
             </p:extLst>
           </p:nvPr>
         </p:nvGraphicFramePr>
         <p:xfrm>
-          <a:off x="6441347" y="2549543"/>
+          <a:off x="6243639" y="2142131"/>
           <a:ext cx="3689844" cy="2459896"/>
         </p:xfrm>
         <a:graphic>
@@ -16829,7 +16829,7 @@
         </p:nvSpPr>
         <p:spPr>
           <a:xfrm>
-            <a:off x="1829014" y="5173068"/>
+            <a:off x="1631306" y="4765656"/>
             <a:ext cx="2375149" cy="707886"/>
           </a:xfrm>
           <a:prstGeom prst="rect">
@@ -16906,7 +16906,7 @@
         </p:nvSpPr>
         <p:spPr>
           <a:xfrm>
-            <a:off x="7165063" y="5173068"/>
+            <a:off x="6967355" y="4765656"/>
             <a:ext cx="2375150" cy="707886"/>
           </a:xfrm>
           <a:prstGeom prst="rect">
@@ -16986,7 +16986,7 @@
         </p:nvSpPr>
         <p:spPr>
           <a:xfrm>
-            <a:off x="4543875" y="2245556"/>
+            <a:off x="4346167" y="1838144"/>
             <a:ext cx="1417791" cy="954107"/>
           </a:xfrm>
           <a:prstGeom prst="rect">
@@ -17089,7 +17089,7 @@
         </p:nvCxnSpPr>
         <p:spPr>
           <a:xfrm flipV="1">
-            <a:off x="3726401" y="2549543"/>
+            <a:off x="3528693" y="2142131"/>
             <a:ext cx="290290" cy="438278"/>
           </a:xfrm>
           <a:prstGeom prst="line">
@@ -17124,7 +17124,7 @@
         </p:nvCxnSpPr>
         <p:spPr>
           <a:xfrm flipH="1">
-            <a:off x="4015169" y="2558522"/>
+            <a:off x="3817461" y="2151110"/>
             <a:ext cx="520407" cy="1"/>
           </a:xfrm>
           <a:prstGeom prst="line">
@@ -17160,7 +17160,7 @@
         </p:nvSpPr>
         <p:spPr>
           <a:xfrm>
-            <a:off x="9808716" y="2245556"/>
+            <a:off x="9611008" y="1838144"/>
             <a:ext cx="1650741" cy="954107"/>
           </a:xfrm>
           <a:prstGeom prst="rect">
@@ -17247,7 +17247,7 @@
         </p:nvCxnSpPr>
         <p:spPr>
           <a:xfrm flipV="1">
-            <a:off x="8991242" y="2549543"/>
+            <a:off x="8793534" y="2142131"/>
             <a:ext cx="290290" cy="438278"/>
           </a:xfrm>
           <a:prstGeom prst="line">
@@ -17282,7 +17282,7 @@
         </p:nvCxnSpPr>
         <p:spPr>
           <a:xfrm flipH="1">
-            <a:off x="9280010" y="2558522"/>
+            <a:off x="9082302" y="2151110"/>
             <a:ext cx="520407" cy="1"/>
           </a:xfrm>
           <a:prstGeom prst="line">
@@ -17310,6 +17310,141 @@
           </a:fontRef>
         </p:style>
       </p:cxnSp>
+      <p:sp>
+        <p:nvSpPr>
+          <p:cNvPr id="22" name="사각형: 둥근 한쪽 모서리 21">
+            <a:extLst>
+              <a:ext uri="{FF2B5EF4-FFF2-40B4-BE49-F238E27FC236}">
+                <a16:creationId xmlns:a16="http://schemas.microsoft.com/office/drawing/2014/main" id="{51230972-5CAD-401F-AB37-C958196A6782}"/>
+              </a:ext>
+            </a:extLst>
+          </p:cNvPr>
+          <p:cNvSpPr/>
+          <p:nvPr/>
+        </p:nvSpPr>
+        <p:spPr>
+          <a:xfrm>
+            <a:off x="1799655" y="5627315"/>
+            <a:ext cx="8370969" cy="829478"/>
+          </a:xfrm>
+          <a:prstGeom prst="round1Rect">
+            <a:avLst/>
+          </a:prstGeom>
+          <a:noFill/>
+          <a:ln w="9525">
+            <a:solidFill>
+              <a:schemeClr val="bg1"/>
+            </a:solidFill>
+            <a:prstDash val="solid"/>
+          </a:ln>
+        </p:spPr>
+        <p:style>
+          <a:lnRef idx="2">
+            <a:schemeClr val="accent1">
+              <a:shade val="50000"/>
+            </a:schemeClr>
+          </a:lnRef>
+          <a:fillRef idx="1">
+            <a:schemeClr val="accent1"/>
+          </a:fillRef>
+          <a:effectRef idx="0">
+            <a:schemeClr val="accent1"/>
+          </a:effectRef>
+          <a:fontRef idx="minor">
+            <a:schemeClr val="lt1"/>
+          </a:fontRef>
+        </p:style>
+        <p:txBody>
+          <a:bodyPr rtlCol="0" anchor="ctr"/>
+          <a:lstStyle/>
+          <a:p>
+            <a:pPr algn="ctr"/>
+            <a:endParaRPr lang="ko-KR" altLang="en-US" dirty="0"/>
+          </a:p>
+        </p:txBody>
+      </p:sp>
+      <p:sp>
+        <p:nvSpPr>
+          <p:cNvPr id="23" name="TextBox 22">
+            <a:extLst>
+              <a:ext uri="{FF2B5EF4-FFF2-40B4-BE49-F238E27FC236}">
+                <a16:creationId xmlns:a16="http://schemas.microsoft.com/office/drawing/2014/main" id="{386F4EF6-9F53-4FA0-91A0-9BD3D5E59BF5}"/>
+              </a:ext>
+            </a:extLst>
+          </p:cNvPr>
+          <p:cNvSpPr txBox="1"/>
+          <p:nvPr/>
+        </p:nvSpPr>
+        <p:spPr>
+          <a:xfrm>
+            <a:off x="1368730" y="5763571"/>
+            <a:ext cx="9232817" cy="646331"/>
+          </a:xfrm>
+          <a:prstGeom prst="rect">
+            <a:avLst/>
+          </a:prstGeom>
+          <a:noFill/>
+        </p:spPr>
+        <p:txBody>
+          <a:bodyPr wrap="square" rtlCol="0">
+            <a:spAutoFit/>
+          </a:bodyPr>
+          <a:lstStyle/>
+          <a:p>
+            <a:pPr algn="ctr"/>
+            <a:r>
+              <a:rPr lang="ko-KR" altLang="en-US" dirty="0">
+                <a:solidFill>
+                  <a:schemeClr val="bg1"/>
+                </a:solidFill>
+                <a:latin typeface="나눔스퀘어라운드 Regular" panose="020B0600000101010101" pitchFamily="50" charset="-127"/>
+                <a:ea typeface="나눔스퀘어라운드 Regular" panose="020B0600000101010101" pitchFamily="50" charset="-127"/>
+              </a:rPr>
+              <a:t>대학생의 평균 수면 권장시간은 </a:t>
+            </a:r>
+            <a:r>
+              <a:rPr lang="en-US" altLang="ko-KR" dirty="0">
+                <a:solidFill>
+                  <a:schemeClr val="bg1"/>
+                </a:solidFill>
+                <a:latin typeface="나눔스퀘어라운드 Regular" panose="020B0600000101010101" pitchFamily="50" charset="-127"/>
+                <a:ea typeface="나눔스퀘어라운드 Regular" panose="020B0600000101010101" pitchFamily="50" charset="-127"/>
+              </a:rPr>
+              <a:t>7-9</a:t>
+            </a:r>
+            <a:r>
+              <a:rPr lang="ko-KR" altLang="en-US" dirty="0">
+                <a:solidFill>
+                  <a:schemeClr val="bg1"/>
+                </a:solidFill>
+                <a:latin typeface="나눔스퀘어라운드 Regular" panose="020B0600000101010101" pitchFamily="50" charset="-127"/>
+                <a:ea typeface="나눔스퀘어라운드 Regular" panose="020B0600000101010101" pitchFamily="50" charset="-127"/>
+              </a:rPr>
+              <a:t>시간</a:t>
+            </a:r>
+            <a:endParaRPr lang="en-US" altLang="ko-KR" dirty="0">
+              <a:solidFill>
+                <a:schemeClr val="bg1"/>
+              </a:solidFill>
+              <a:latin typeface="나눔스퀘어라운드 Regular" panose="020B0600000101010101" pitchFamily="50" charset="-127"/>
+              <a:ea typeface="나눔스퀘어라운드 Regular" panose="020B0600000101010101" pitchFamily="50" charset="-127"/>
+            </a:endParaRPr>
+          </a:p>
+          <a:p>
+            <a:pPr algn="ctr"/>
+            <a:r>
+              <a:rPr lang="ko-KR" altLang="en-US" dirty="0">
+                <a:solidFill>
+                  <a:schemeClr val="bg1"/>
+                </a:solidFill>
+                <a:latin typeface="나눔스퀘어라운드 Regular" panose="020B0600000101010101" pitchFamily="50" charset="-127"/>
+                <a:ea typeface="나눔스퀘어라운드 Regular" panose="020B0600000101010101" pitchFamily="50" charset="-127"/>
+              </a:rPr>
+              <a:t>불규칙적인 수면이 건강에 미치는 영향이 매우 큼</a:t>
+            </a:r>
+          </a:p>
+        </p:txBody>
+      </p:sp>
     </p:spTree>
     <p:extLst>
       <p:ext uri="{BB962C8B-B14F-4D97-AF65-F5344CB8AC3E}">
@@ -18500,50 +18635,6 @@
           </p:txBody>
         </p:sp>
       </p:grpSp>
-      <p:sp>
-        <p:nvSpPr>
-          <p:cNvPr id="51" name="TextBox 50"/>
-          <p:cNvSpPr txBox="1"/>
-          <p:nvPr/>
-        </p:nvSpPr>
-        <p:spPr>
-          <a:xfrm>
-            <a:off x="8400451" y="6512282"/>
-            <a:ext cx="3813118" cy="307777"/>
-          </a:xfrm>
-          <a:prstGeom prst="rect">
-            <a:avLst/>
-          </a:prstGeom>
-          <a:noFill/>
-        </p:spPr>
-        <p:txBody>
-          <a:bodyPr wrap="square" rtlCol="0">
-            <a:spAutoFit/>
-          </a:bodyPr>
-          <a:lstStyle/>
-          <a:p>
-            <a:pPr algn="ctr"/>
-            <a:r>
-              <a:rPr lang="ko-KR" altLang="en-US" sz="1400" dirty="0">
-                <a:ln>
-                  <a:solidFill>
-                    <a:schemeClr val="bg1">
-                      <a:alpha val="30000"/>
-                    </a:schemeClr>
-                  </a:solidFill>
-                </a:ln>
-                <a:solidFill>
-                  <a:schemeClr val="bg1"/>
-                </a:solidFill>
-                <a:latin typeface="조선일보명조" panose="02030304000000000000" pitchFamily="18" charset="-127"/>
-                <a:ea typeface="조선일보명조" panose="02030304000000000000" pitchFamily="18" charset="-127"/>
-                <a:cs typeface="조선일보명조" panose="02030304000000000000" pitchFamily="18" charset="-127"/>
-              </a:rPr>
-              <a:t>이 슬라이드에 대한 부가설명을 적는 공간입니다</a:t>
-            </a:r>
-          </a:p>
-        </p:txBody>
-      </p:sp>
       <p:pic>
         <p:nvPicPr>
           <p:cNvPr id="71" name="Picture 2" descr="https://images.unsplash.com/photo-1424460421773-58b49adfc68a?ixlib=rb-0.3.5&amp;q=80&amp;fm=jpg&amp;crop=entropy&amp;w=1080&amp;fit=max&amp;s=269adb5293f65ef3971994b11f06cc03"/>
